--- a/IT (VK)/Zsarolóvírus (ransomware).pptx
+++ b/IT (VK)/Zsarolóvírus (ransomware).pptx
@@ -5963,7 +5963,7 @@
         </p:nvSpPr>
         <p:spPr>
           <a:xfrm>
-            <a:off x="684212" y="584199"/>
+            <a:off x="2794000" y="584199"/>
             <a:ext cx="8534400" cy="1507067"/>
           </a:xfrm>
         </p:spPr>
@@ -5973,12 +5973,53 @@
           </a:bodyPr>
           <a:lstStyle/>
           <a:p>
+            <a:pPr algn="r"/>
             <a:r>
               <a:rPr lang="hu-HU" sz="4400" b="1" dirty="0">
                 <a:latin typeface="JetBrains"/>
               </a:rPr>
               <a:t>Példák a gyakorlatból</a:t>
             </a:r>
+          </a:p>
+        </p:txBody>
+      </p:sp>
+      <p:sp>
+        <p:nvSpPr>
+          <p:cNvPr id="3" name="Szövegdoboz 2">
+            <a:extLst>
+              <a:ext uri="{FF2B5EF4-FFF2-40B4-BE49-F238E27FC236}">
+                <a16:creationId xmlns:a16="http://schemas.microsoft.com/office/drawing/2014/main" id="{F1EA6E10-EC3C-4315-9F88-FBEA02E85097}"/>
+              </a:ext>
+            </a:extLst>
+          </p:cNvPr>
+          <p:cNvSpPr txBox="1"/>
+          <p:nvPr/>
+        </p:nvSpPr>
+        <p:spPr>
+          <a:xfrm>
+            <a:off x="1312333" y="1829656"/>
+            <a:ext cx="2963334" cy="523220"/>
+          </a:xfrm>
+          <a:prstGeom prst="rect">
+            <a:avLst/>
+          </a:prstGeom>
+          <a:noFill/>
+        </p:spPr>
+        <p:txBody>
+          <a:bodyPr wrap="square" rtlCol="0">
+            <a:spAutoFit/>
+          </a:bodyPr>
+          <a:lstStyle/>
+          <a:p>
+            <a:r>
+              <a:rPr lang="hu-HU" sz="2800" dirty="0">
+                <a:latin typeface="JetBrains"/>
+              </a:rPr>
+              <a:t>Munkahelyi e-mail</a:t>
+            </a:r>
+            <a:endParaRPr lang="hu-HU" dirty="0">
+              <a:latin typeface="JetBrains"/>
+            </a:endParaRPr>
           </a:p>
         </p:txBody>
       </p:sp>
